--- a/Document/추가 컨텐츠.pptx
+++ b/Document/추가 컨텐츠.pptx
@@ -5,13 +5,12 @@
     <p:sldMasterId id="2147483648" r:id="rId1"/>
   </p:sldMasterIdLst>
   <p:notesMasterIdLst>
-    <p:notesMasterId r:id="rId6"/>
+    <p:notesMasterId r:id="rId5"/>
   </p:notesMasterIdLst>
   <p:sldIdLst>
     <p:sldId id="256" r:id="rId2"/>
-    <p:sldId id="257" r:id="rId3"/>
-    <p:sldId id="258" r:id="rId4"/>
-    <p:sldId id="259" r:id="rId5"/>
+    <p:sldId id="258" r:id="rId3"/>
+    <p:sldId id="259" r:id="rId4"/>
   </p:sldIdLst>
   <p:sldSz cx="12192000" cy="6858000"/>
   <p:notesSz cx="6858000" cy="9144000"/>
@@ -116,7 +115,6 @@
         <p14:section name="기본 구역" id="{7F3C56BF-5A9D-425B-8440-E800D3500B0E}">
           <p14:sldIdLst>
             <p14:sldId id="256"/>
-            <p14:sldId id="257"/>
             <p14:sldId id="258"/>
             <p14:sldId id="259"/>
           </p14:sldIdLst>
@@ -220,7 +218,7 @@
           <a:p>
             <a:fld id="{A503CDD6-C837-4F29-98DD-7E931F3DC6BE}" type="datetimeFigureOut">
               <a:rPr lang="ko-KR" altLang="en-US" smtClean="0"/>
-              <a:t>2022-04-14(Thu)</a:t>
+              <a:t>2022-05-18(Wed)</a:t>
             </a:fld>
             <a:endParaRPr lang="ko-KR" altLang="en-US"/>
           </a:p>
@@ -634,7 +632,7 @@
           <a:p>
             <a:fld id="{3642AD22-97CA-4962-809F-F3108DD3B01B}" type="datetimeFigureOut">
               <a:rPr lang="ko-KR" altLang="en-US" smtClean="0"/>
-              <a:t>2022-04-14(Thu)</a:t>
+              <a:t>2022-05-18(Wed)</a:t>
             </a:fld>
             <a:endParaRPr lang="ko-KR" altLang="en-US"/>
           </a:p>
@@ -832,7 +830,7 @@
           <a:p>
             <a:fld id="{3642AD22-97CA-4962-809F-F3108DD3B01B}" type="datetimeFigureOut">
               <a:rPr lang="ko-KR" altLang="en-US" smtClean="0"/>
-              <a:t>2022-04-14(Thu)</a:t>
+              <a:t>2022-05-18(Wed)</a:t>
             </a:fld>
             <a:endParaRPr lang="ko-KR" altLang="en-US"/>
           </a:p>
@@ -1040,7 +1038,7 @@
           <a:p>
             <a:fld id="{3642AD22-97CA-4962-809F-F3108DD3B01B}" type="datetimeFigureOut">
               <a:rPr lang="ko-KR" altLang="en-US" smtClean="0"/>
-              <a:t>2022-04-14(Thu)</a:t>
+              <a:t>2022-05-18(Wed)</a:t>
             </a:fld>
             <a:endParaRPr lang="ko-KR" altLang="en-US"/>
           </a:p>
@@ -1566,7 +1564,7 @@
           <a:p>
             <a:fld id="{3642AD22-97CA-4962-809F-F3108DD3B01B}" type="datetimeFigureOut">
               <a:rPr lang="ko-KR" altLang="en-US" smtClean="0"/>
-              <a:t>2022-04-14(Thu)</a:t>
+              <a:t>2022-05-18(Wed)</a:t>
             </a:fld>
             <a:endParaRPr lang="ko-KR" altLang="en-US"/>
           </a:p>
@@ -1831,7 +1829,7 @@
           <a:p>
             <a:fld id="{3642AD22-97CA-4962-809F-F3108DD3B01B}" type="datetimeFigureOut">
               <a:rPr lang="ko-KR" altLang="en-US" smtClean="0"/>
-              <a:t>2022-04-14(Thu)</a:t>
+              <a:t>2022-05-18(Wed)</a:t>
             </a:fld>
             <a:endParaRPr lang="ko-KR" altLang="en-US"/>
           </a:p>
@@ -2243,7 +2241,7 @@
           <a:p>
             <a:fld id="{3642AD22-97CA-4962-809F-F3108DD3B01B}" type="datetimeFigureOut">
               <a:rPr lang="ko-KR" altLang="en-US" smtClean="0"/>
-              <a:t>2022-04-14(Thu)</a:t>
+              <a:t>2022-05-18(Wed)</a:t>
             </a:fld>
             <a:endParaRPr lang="ko-KR" altLang="en-US"/>
           </a:p>
@@ -2384,7 +2382,7 @@
           <a:p>
             <a:fld id="{3642AD22-97CA-4962-809F-F3108DD3B01B}" type="datetimeFigureOut">
               <a:rPr lang="ko-KR" altLang="en-US" smtClean="0"/>
-              <a:t>2022-04-14(Thu)</a:t>
+              <a:t>2022-05-18(Wed)</a:t>
             </a:fld>
             <a:endParaRPr lang="ko-KR" altLang="en-US"/>
           </a:p>
@@ -2497,7 +2495,7 @@
           <a:p>
             <a:fld id="{3642AD22-97CA-4962-809F-F3108DD3B01B}" type="datetimeFigureOut">
               <a:rPr lang="ko-KR" altLang="en-US" smtClean="0"/>
-              <a:t>2022-04-14(Thu)</a:t>
+              <a:t>2022-05-18(Wed)</a:t>
             </a:fld>
             <a:endParaRPr lang="ko-KR" altLang="en-US"/>
           </a:p>
@@ -2808,7 +2806,7 @@
           <a:p>
             <a:fld id="{3642AD22-97CA-4962-809F-F3108DD3B01B}" type="datetimeFigureOut">
               <a:rPr lang="ko-KR" altLang="en-US" smtClean="0"/>
-              <a:t>2022-04-14(Thu)</a:t>
+              <a:t>2022-05-18(Wed)</a:t>
             </a:fld>
             <a:endParaRPr lang="ko-KR" altLang="en-US"/>
           </a:p>
@@ -3096,7 +3094,7 @@
           <a:p>
             <a:fld id="{3642AD22-97CA-4962-809F-F3108DD3B01B}" type="datetimeFigureOut">
               <a:rPr lang="ko-KR" altLang="en-US" smtClean="0"/>
-              <a:t>2022-04-14(Thu)</a:t>
+              <a:t>2022-05-18(Wed)</a:t>
             </a:fld>
             <a:endParaRPr lang="ko-KR" altLang="en-US"/>
           </a:p>
@@ -3337,7 +3335,7 @@
           <a:p>
             <a:fld id="{3642AD22-97CA-4962-809F-F3108DD3B01B}" type="datetimeFigureOut">
               <a:rPr lang="ko-KR" altLang="en-US" smtClean="0"/>
-              <a:t>2022-04-14(Thu)</a:t>
+              <a:t>2022-05-18(Wed)</a:t>
             </a:fld>
             <a:endParaRPr lang="ko-KR" altLang="en-US"/>
           </a:p>
@@ -3871,976 +3869,6 @@
       </p:grpSpPr>
       <p:sp>
         <p:nvSpPr>
-          <p:cNvPr id="10" name="사각형: 둥근 모서리 9">
-            <a:extLst>
-              <a:ext uri="{FF2B5EF4-FFF2-40B4-BE49-F238E27FC236}">
-                <a16:creationId xmlns:a16="http://schemas.microsoft.com/office/drawing/2014/main" id="{46C0F8BA-83F7-46F4-8C74-98E4C5FAB078}"/>
-              </a:ext>
-            </a:extLst>
-          </p:cNvPr>
-          <p:cNvSpPr/>
-          <p:nvPr/>
-        </p:nvSpPr>
-        <p:spPr>
-          <a:xfrm>
-            <a:off x="1594690" y="1946340"/>
-            <a:ext cx="2638425" cy="4340159"/>
-          </a:xfrm>
-          <a:prstGeom prst="roundRect">
-            <a:avLst/>
-          </a:prstGeom>
-          <a:noFill/>
-          <a:ln w="57150">
-            <a:solidFill>
-              <a:schemeClr val="tx1"/>
-            </a:solidFill>
-          </a:ln>
-        </p:spPr>
-        <p:style>
-          <a:lnRef idx="2">
-            <a:schemeClr val="accent1">
-              <a:shade val="50000"/>
-            </a:schemeClr>
-          </a:lnRef>
-          <a:fillRef idx="1">
-            <a:schemeClr val="accent1"/>
-          </a:fillRef>
-          <a:effectRef idx="0">
-            <a:schemeClr val="accent1"/>
-          </a:effectRef>
-          <a:fontRef idx="minor">
-            <a:schemeClr val="lt1"/>
-          </a:fontRef>
-        </p:style>
-        <p:txBody>
-          <a:bodyPr rtlCol="0" anchor="ctr"/>
-          <a:lstStyle/>
-          <a:p>
-            <a:pPr algn="ctr"/>
-            <a:endParaRPr lang="ko-KR" altLang="en-US" dirty="0"/>
-          </a:p>
-        </p:txBody>
-      </p:sp>
-      <p:sp>
-        <p:nvSpPr>
-          <p:cNvPr id="26" name="직사각형 25">
-            <a:extLst>
-              <a:ext uri="{FF2B5EF4-FFF2-40B4-BE49-F238E27FC236}">
-                <a16:creationId xmlns:a16="http://schemas.microsoft.com/office/drawing/2014/main" id="{0BA3965A-D2FE-4189-9CF0-689FE8739DB4}"/>
-              </a:ext>
-            </a:extLst>
-          </p:cNvPr>
-          <p:cNvSpPr/>
-          <p:nvPr/>
-        </p:nvSpPr>
-        <p:spPr>
-          <a:xfrm>
-            <a:off x="1944888" y="1676954"/>
-            <a:ext cx="1899720" cy="523220"/>
-          </a:xfrm>
-          <a:prstGeom prst="rect">
-            <a:avLst/>
-          </a:prstGeom>
-          <a:solidFill>
-            <a:schemeClr val="tx2">
-              <a:lumMod val="60000"/>
-              <a:lumOff val="40000"/>
-            </a:schemeClr>
-          </a:solidFill>
-          <a:ln w="28575">
-            <a:solidFill>
-              <a:schemeClr val="tx1"/>
-            </a:solidFill>
-          </a:ln>
-        </p:spPr>
-        <p:style>
-          <a:lnRef idx="2">
-            <a:schemeClr val="accent1">
-              <a:shade val="50000"/>
-            </a:schemeClr>
-          </a:lnRef>
-          <a:fillRef idx="1">
-            <a:schemeClr val="accent1"/>
-          </a:fillRef>
-          <a:effectRef idx="0">
-            <a:schemeClr val="accent1"/>
-          </a:effectRef>
-          <a:fontRef idx="minor">
-            <a:schemeClr val="lt1"/>
-          </a:fontRef>
-        </p:style>
-        <p:txBody>
-          <a:bodyPr rtlCol="0" anchor="ctr"/>
-          <a:lstStyle/>
-          <a:p>
-            <a:pPr algn="ctr"/>
-            <a:endParaRPr lang="ko-KR" altLang="en-US"/>
-          </a:p>
-        </p:txBody>
-      </p:sp>
-      <p:sp>
-        <p:nvSpPr>
-          <p:cNvPr id="5" name="TextBox 4">
-            <a:extLst>
-              <a:ext uri="{FF2B5EF4-FFF2-40B4-BE49-F238E27FC236}">
-                <a16:creationId xmlns:a16="http://schemas.microsoft.com/office/drawing/2014/main" id="{B1D564D2-FC69-4D16-9DD8-6673954C5D46}"/>
-              </a:ext>
-            </a:extLst>
-          </p:cNvPr>
-          <p:cNvSpPr txBox="1"/>
-          <p:nvPr/>
-        </p:nvSpPr>
-        <p:spPr>
-          <a:xfrm>
-            <a:off x="1099128" y="255627"/>
-            <a:ext cx="4230254" cy="523220"/>
-          </a:xfrm>
-          <a:prstGeom prst="rect">
-            <a:avLst/>
-          </a:prstGeom>
-          <a:noFill/>
-        </p:spPr>
-        <p:txBody>
-          <a:bodyPr wrap="square" rtlCol="0">
-            <a:spAutoFit/>
-          </a:bodyPr>
-          <a:lstStyle/>
-          <a:p>
-            <a:r>
-              <a:rPr lang="en-US" altLang="ko-KR" sz="2800" b="1" dirty="0">
-                <a:solidFill>
-                  <a:srgbClr val="FFFFFF"/>
-                </a:solidFill>
-              </a:rPr>
-              <a:t>Contents</a:t>
-            </a:r>
-            <a:endParaRPr lang="ko-KR" altLang="en-US" sz="2800" b="1" dirty="0">
-              <a:solidFill>
-                <a:srgbClr val="FFFFFF"/>
-              </a:solidFill>
-            </a:endParaRPr>
-          </a:p>
-        </p:txBody>
-      </p:sp>
-      <p:sp>
-        <p:nvSpPr>
-          <p:cNvPr id="2" name="TextBox 1">
-            <a:extLst>
-              <a:ext uri="{FF2B5EF4-FFF2-40B4-BE49-F238E27FC236}">
-                <a16:creationId xmlns:a16="http://schemas.microsoft.com/office/drawing/2014/main" id="{3A0CAFE8-DCE7-4003-AF7E-9BA4ABFBDFB2}"/>
-              </a:ext>
-            </a:extLst>
-          </p:cNvPr>
-          <p:cNvSpPr txBox="1"/>
-          <p:nvPr/>
-        </p:nvSpPr>
-        <p:spPr>
-          <a:xfrm>
-            <a:off x="1713833" y="3440148"/>
-            <a:ext cx="2361827" cy="1384995"/>
-          </a:xfrm>
-          <a:prstGeom prst="rect">
-            <a:avLst/>
-          </a:prstGeom>
-          <a:noFill/>
-        </p:spPr>
-        <p:txBody>
-          <a:bodyPr wrap="square" rtlCol="0">
-            <a:spAutoFit/>
-          </a:bodyPr>
-          <a:lstStyle/>
-          <a:p>
-            <a:pPr marL="228600" indent="-228600">
-              <a:buAutoNum type="arabicPeriod"/>
-            </a:pPr>
-            <a:r>
-              <a:rPr lang="ko-KR" altLang="en-US" sz="1400" b="1" dirty="0"/>
-              <a:t> 메인 테마</a:t>
-            </a:r>
-            <a:endParaRPr lang="en-US" altLang="ko-KR" sz="1400" b="1" dirty="0"/>
-          </a:p>
-          <a:p>
-            <a:pPr marL="228600" indent="-228600">
-              <a:buAutoNum type="arabicPeriod"/>
-            </a:pPr>
-            <a:r>
-              <a:rPr lang="ko-KR" altLang="en-US" sz="1400" b="1" dirty="0"/>
-              <a:t> 게임 개요</a:t>
-            </a:r>
-            <a:endParaRPr lang="en-US" altLang="ko-KR" sz="1400" b="1" dirty="0"/>
-          </a:p>
-          <a:p>
-            <a:pPr marL="228600" indent="-228600">
-              <a:buAutoNum type="arabicPeriod"/>
-            </a:pPr>
-            <a:r>
-              <a:rPr lang="ko-KR" altLang="en-US" sz="1400" b="1" dirty="0"/>
-              <a:t> 기획 배경</a:t>
-            </a:r>
-            <a:endParaRPr lang="en-US" altLang="ko-KR" sz="1400" b="1" dirty="0"/>
-          </a:p>
-          <a:p>
-            <a:pPr marL="228600" indent="-228600">
-              <a:buAutoNum type="arabicPeriod"/>
-            </a:pPr>
-            <a:r>
-              <a:rPr lang="ko-KR" altLang="en-US" sz="1400" b="1" dirty="0"/>
-              <a:t> 주요 특징</a:t>
-            </a:r>
-            <a:endParaRPr lang="en-US" altLang="ko-KR" sz="1400" b="1" dirty="0"/>
-          </a:p>
-          <a:p>
-            <a:r>
-              <a:rPr lang="en-US" altLang="ko-KR" sz="1400" b="1" dirty="0"/>
-              <a:t>5.  </a:t>
-            </a:r>
-            <a:r>
-              <a:rPr lang="ko-KR" altLang="en-US" sz="1400" b="1" dirty="0"/>
-              <a:t>스토리 요약</a:t>
-            </a:r>
-            <a:endParaRPr lang="en-US" altLang="ko-KR" sz="1400" b="1" dirty="0"/>
-          </a:p>
-          <a:p>
-            <a:r>
-              <a:rPr lang="en-US" altLang="ko-KR" sz="1400" b="1" dirty="0"/>
-              <a:t>6.  </a:t>
-            </a:r>
-            <a:r>
-              <a:rPr lang="ko-KR" altLang="en-US" sz="1400" b="1" dirty="0"/>
-              <a:t>조작 방식</a:t>
-            </a:r>
-            <a:endParaRPr lang="en-US" altLang="ko-KR" sz="1400" b="1" dirty="0"/>
-          </a:p>
-        </p:txBody>
-      </p:sp>
-      <p:sp>
-        <p:nvSpPr>
-          <p:cNvPr id="8" name="TextBox 7">
-            <a:extLst>
-              <a:ext uri="{FF2B5EF4-FFF2-40B4-BE49-F238E27FC236}">
-                <a16:creationId xmlns:a16="http://schemas.microsoft.com/office/drawing/2014/main" id="{09EDE23F-7151-48BB-AD5F-B19F4C269EF4}"/>
-              </a:ext>
-            </a:extLst>
-          </p:cNvPr>
-          <p:cNvSpPr txBox="1"/>
-          <p:nvPr/>
-        </p:nvSpPr>
-        <p:spPr>
-          <a:xfrm>
-            <a:off x="11246909" y="5992187"/>
-            <a:ext cx="311304" cy="369332"/>
-          </a:xfrm>
-          <a:prstGeom prst="rect">
-            <a:avLst/>
-          </a:prstGeom>
-          <a:noFill/>
-        </p:spPr>
-        <p:txBody>
-          <a:bodyPr wrap="none" rtlCol="0">
-            <a:spAutoFit/>
-          </a:bodyPr>
-          <a:lstStyle/>
-          <a:p>
-            <a:r>
-              <a:rPr lang="en-US" altLang="ko-KR" dirty="0"/>
-              <a:t>1</a:t>
-            </a:r>
-            <a:endParaRPr lang="ko-KR" altLang="en-US" dirty="0"/>
-          </a:p>
-        </p:txBody>
-      </p:sp>
-      <p:sp>
-        <p:nvSpPr>
-          <p:cNvPr id="15" name="TextBox 14">
-            <a:extLst>
-              <a:ext uri="{FF2B5EF4-FFF2-40B4-BE49-F238E27FC236}">
-                <a16:creationId xmlns:a16="http://schemas.microsoft.com/office/drawing/2014/main" id="{B2C497EC-A243-4013-80F4-61D897ABD766}"/>
-              </a:ext>
-            </a:extLst>
-          </p:cNvPr>
-          <p:cNvSpPr txBox="1"/>
-          <p:nvPr/>
-        </p:nvSpPr>
-        <p:spPr>
-          <a:xfrm>
-            <a:off x="2223425" y="1715510"/>
-            <a:ext cx="1380954" cy="415498"/>
-          </a:xfrm>
-          <a:prstGeom prst="rect">
-            <a:avLst/>
-          </a:prstGeom>
-          <a:noFill/>
-          <a:ln>
-            <a:noFill/>
-          </a:ln>
-        </p:spPr>
-        <p:txBody>
-          <a:bodyPr wrap="none" rtlCol="0" anchor="ctr">
-            <a:spAutoFit/>
-          </a:bodyPr>
-          <a:lstStyle/>
-          <a:p>
-            <a:pPr algn="ctr"/>
-            <a:r>
-              <a:rPr lang="en-US" altLang="ko-KR" sz="2000" b="1" dirty="0">
-                <a:solidFill>
-                  <a:schemeClr val="bg1"/>
-                </a:solidFill>
-              </a:rPr>
-              <a:t>Chapter 1</a:t>
-            </a:r>
-          </a:p>
-          <a:p>
-            <a:pPr algn="ctr"/>
-            <a:r>
-              <a:rPr lang="ko-KR" altLang="en-US" sz="100" b="1" dirty="0" err="1"/>
-              <a:t>ㅇ</a:t>
-            </a:r>
-            <a:endParaRPr lang="en-US" altLang="ko-KR" sz="2800" b="1" dirty="0"/>
-          </a:p>
-        </p:txBody>
-      </p:sp>
-      <p:sp>
-        <p:nvSpPr>
-          <p:cNvPr id="22" name="TextBox 21">
-            <a:extLst>
-              <a:ext uri="{FF2B5EF4-FFF2-40B4-BE49-F238E27FC236}">
-                <a16:creationId xmlns:a16="http://schemas.microsoft.com/office/drawing/2014/main" id="{FFEAE222-D0CD-4381-8ED6-DA0591D21818}"/>
-              </a:ext>
-            </a:extLst>
-          </p:cNvPr>
-          <p:cNvSpPr txBox="1"/>
-          <p:nvPr/>
-        </p:nvSpPr>
-        <p:spPr>
-          <a:xfrm>
-            <a:off x="4764990" y="3440148"/>
-            <a:ext cx="2288514" cy="1169551"/>
-          </a:xfrm>
-          <a:prstGeom prst="rect">
-            <a:avLst/>
-          </a:prstGeom>
-          <a:noFill/>
-        </p:spPr>
-        <p:txBody>
-          <a:bodyPr wrap="square" rtlCol="0">
-            <a:spAutoFit/>
-          </a:bodyPr>
-          <a:lstStyle/>
-          <a:p>
-            <a:pPr marL="228600" indent="-228600">
-              <a:buAutoNum type="arabicPeriod"/>
-            </a:pPr>
-            <a:r>
-              <a:rPr lang="ko-KR" altLang="en-US" sz="1400" b="1" dirty="0"/>
-              <a:t>게임 씬 구성도</a:t>
-            </a:r>
-            <a:endParaRPr lang="en-US" altLang="ko-KR" sz="1400" b="1" dirty="0"/>
-          </a:p>
-          <a:p>
-            <a:pPr marL="228600" indent="-228600">
-              <a:buAutoNum type="arabicPeriod"/>
-            </a:pPr>
-            <a:r>
-              <a:rPr lang="en-US" altLang="ko-KR" sz="1400" b="1" dirty="0"/>
-              <a:t>UI</a:t>
-            </a:r>
-          </a:p>
-          <a:p>
-            <a:pPr marL="228600" indent="-228600">
-              <a:buAutoNum type="arabicPeriod"/>
-            </a:pPr>
-            <a:r>
-              <a:rPr lang="ko-KR" altLang="en-US" sz="1400" b="1" dirty="0"/>
-              <a:t>맵</a:t>
-            </a:r>
-            <a:endParaRPr lang="en-US" altLang="ko-KR" sz="1400" b="1" dirty="0"/>
-          </a:p>
-          <a:p>
-            <a:pPr marL="228600" indent="-228600">
-              <a:buAutoNum type="arabicPeriod"/>
-            </a:pPr>
-            <a:r>
-              <a:rPr lang="ko-KR" altLang="en-US" sz="1400" b="1" dirty="0"/>
-              <a:t>캐릭터</a:t>
-            </a:r>
-            <a:endParaRPr lang="en-US" altLang="ko-KR" sz="1400" b="1" dirty="0"/>
-          </a:p>
-          <a:p>
-            <a:pPr marL="228600" indent="-228600">
-              <a:buAutoNum type="arabicPeriod"/>
-            </a:pPr>
-            <a:r>
-              <a:rPr lang="ko-KR" altLang="en-US" sz="1400" b="1" dirty="0"/>
-              <a:t>아이템</a:t>
-            </a:r>
-            <a:endParaRPr lang="en-US" altLang="ko-KR" sz="1400" b="1" dirty="0"/>
-          </a:p>
-        </p:txBody>
-      </p:sp>
-      <p:sp>
-        <p:nvSpPr>
-          <p:cNvPr id="23" name="TextBox 22">
-            <a:extLst>
-              <a:ext uri="{FF2B5EF4-FFF2-40B4-BE49-F238E27FC236}">
-                <a16:creationId xmlns:a16="http://schemas.microsoft.com/office/drawing/2014/main" id="{0B78F3C6-857D-4BDA-8F34-185023E8BCC8}"/>
-              </a:ext>
-            </a:extLst>
-          </p:cNvPr>
-          <p:cNvSpPr txBox="1"/>
-          <p:nvPr/>
-        </p:nvSpPr>
-        <p:spPr>
-          <a:xfrm>
-            <a:off x="7702588" y="3655591"/>
-            <a:ext cx="2533649" cy="1600438"/>
-          </a:xfrm>
-          <a:prstGeom prst="rect">
-            <a:avLst/>
-          </a:prstGeom>
-          <a:noFill/>
-        </p:spPr>
-        <p:txBody>
-          <a:bodyPr wrap="square" rtlCol="0">
-            <a:spAutoFit/>
-          </a:bodyPr>
-          <a:lstStyle/>
-          <a:p>
-            <a:pPr marL="228600" indent="-228600">
-              <a:buAutoNum type="arabicPeriod"/>
-            </a:pPr>
-            <a:r>
-              <a:rPr lang="ko-KR" altLang="en-US" sz="1400" b="1" dirty="0"/>
-              <a:t>재료 수집 미션</a:t>
-            </a:r>
-            <a:endParaRPr lang="en-US" altLang="ko-KR" sz="1400" b="1" dirty="0"/>
-          </a:p>
-          <a:p>
-            <a:pPr marL="228600" indent="-228600">
-              <a:buAutoNum type="arabicPeriod"/>
-            </a:pPr>
-            <a:r>
-              <a:rPr lang="ko-KR" altLang="en-US" sz="1400" b="1" dirty="0"/>
-              <a:t>투표 시스템</a:t>
-            </a:r>
-            <a:endParaRPr lang="en-US" altLang="ko-KR" sz="1400" b="1" dirty="0"/>
-          </a:p>
-          <a:p>
-            <a:pPr marL="228600" indent="-228600">
-              <a:buAutoNum type="arabicPeriod"/>
-            </a:pPr>
-            <a:r>
-              <a:rPr lang="ko-KR" altLang="en-US" sz="1400" b="1" dirty="0"/>
-              <a:t>납치자 방해 미션</a:t>
-            </a:r>
-            <a:endParaRPr lang="en-US" altLang="ko-KR" sz="1400" b="1" dirty="0"/>
-          </a:p>
-          <a:p>
-            <a:pPr marL="228600" indent="-228600">
-              <a:buAutoNum type="arabicPeriod"/>
-            </a:pPr>
-            <a:r>
-              <a:rPr lang="ko-KR" altLang="en-US" sz="1400" b="1" dirty="0"/>
-              <a:t>아이템 수집</a:t>
-            </a:r>
-            <a:r>
-              <a:rPr lang="en-US" altLang="ko-KR" sz="1400" b="1" dirty="0"/>
-              <a:t>&amp;</a:t>
-            </a:r>
-            <a:r>
-              <a:rPr lang="ko-KR" altLang="en-US" sz="1400" b="1" dirty="0"/>
-              <a:t>채집 시스템</a:t>
-            </a:r>
-            <a:endParaRPr lang="en-US" altLang="ko-KR" sz="1400" b="1" dirty="0"/>
-          </a:p>
-          <a:p>
-            <a:pPr marL="228600" indent="-228600">
-              <a:buAutoNum type="arabicPeriod"/>
-            </a:pPr>
-            <a:r>
-              <a:rPr lang="ko-KR" altLang="en-US" sz="1400" b="1" dirty="0"/>
-              <a:t>킬 시스템</a:t>
-            </a:r>
-            <a:endParaRPr lang="en-US" altLang="ko-KR" sz="1400" b="1" dirty="0"/>
-          </a:p>
-          <a:p>
-            <a:pPr marL="228600" indent="-228600">
-              <a:buAutoNum type="arabicPeriod"/>
-            </a:pPr>
-            <a:r>
-              <a:rPr lang="ko-KR" altLang="en-US" sz="1400" b="1" dirty="0"/>
-              <a:t>승리 조건</a:t>
-            </a:r>
-            <a:endParaRPr lang="en-US" altLang="ko-KR" sz="1400" b="1" dirty="0"/>
-          </a:p>
-          <a:p>
-            <a:pPr marL="228600" indent="-228600">
-              <a:buAutoNum type="arabicPeriod"/>
-            </a:pPr>
-            <a:r>
-              <a:rPr lang="en-US" altLang="ko-KR" sz="1400" b="1" dirty="0"/>
-              <a:t>BM</a:t>
-            </a:r>
-            <a:r>
-              <a:rPr lang="ko-KR" altLang="en-US" sz="1400" b="1" dirty="0"/>
-              <a:t> 요소</a:t>
-            </a:r>
-            <a:endParaRPr lang="en-US" altLang="ko-KR" sz="1400" b="1" dirty="0"/>
-          </a:p>
-        </p:txBody>
-      </p:sp>
-      <p:sp>
-        <p:nvSpPr>
-          <p:cNvPr id="4" name="TextBox 3">
-            <a:extLst>
-              <a:ext uri="{FF2B5EF4-FFF2-40B4-BE49-F238E27FC236}">
-                <a16:creationId xmlns:a16="http://schemas.microsoft.com/office/drawing/2014/main" id="{A2055F7A-FC65-4860-8521-1CD7880F2B65}"/>
-              </a:ext>
-            </a:extLst>
-          </p:cNvPr>
-          <p:cNvSpPr txBox="1"/>
-          <p:nvPr/>
-        </p:nvSpPr>
-        <p:spPr>
-          <a:xfrm>
-            <a:off x="2299873" y="2253560"/>
-            <a:ext cx="1189749" cy="369332"/>
-          </a:xfrm>
-          <a:prstGeom prst="rect">
-            <a:avLst/>
-          </a:prstGeom>
-          <a:noFill/>
-        </p:spPr>
-        <p:txBody>
-          <a:bodyPr wrap="none" rtlCol="0">
-            <a:spAutoFit/>
-          </a:bodyPr>
-          <a:lstStyle/>
-          <a:p>
-            <a:pPr algn="ctr"/>
-            <a:r>
-              <a:rPr lang="ko-KR" altLang="en-US" b="1" dirty="0"/>
-              <a:t>게임 소개</a:t>
-            </a:r>
-          </a:p>
-        </p:txBody>
-      </p:sp>
-      <p:sp>
-        <p:nvSpPr>
-          <p:cNvPr id="25" name="TextBox 24">
-            <a:extLst>
-              <a:ext uri="{FF2B5EF4-FFF2-40B4-BE49-F238E27FC236}">
-                <a16:creationId xmlns:a16="http://schemas.microsoft.com/office/drawing/2014/main" id="{4A4A936B-E065-4E20-87BA-871D71087AFB}"/>
-              </a:ext>
-            </a:extLst>
-          </p:cNvPr>
-          <p:cNvSpPr txBox="1"/>
-          <p:nvPr/>
-        </p:nvSpPr>
-        <p:spPr>
-          <a:xfrm>
-            <a:off x="7935024" y="2300829"/>
-            <a:ext cx="1963999" cy="369332"/>
-          </a:xfrm>
-          <a:prstGeom prst="rect">
-            <a:avLst/>
-          </a:prstGeom>
-          <a:noFill/>
-        </p:spPr>
-        <p:txBody>
-          <a:bodyPr wrap="none" rtlCol="0">
-            <a:spAutoFit/>
-          </a:bodyPr>
-          <a:lstStyle/>
-          <a:p>
-            <a:pPr algn="ctr"/>
-            <a:r>
-              <a:rPr lang="ko-KR" altLang="en-US" b="1" dirty="0"/>
-              <a:t>주요 컨텐츠 소개</a:t>
-            </a:r>
-          </a:p>
-        </p:txBody>
-      </p:sp>
-      <p:sp>
-        <p:nvSpPr>
-          <p:cNvPr id="27" name="사각형: 둥근 모서리 26">
-            <a:extLst>
-              <a:ext uri="{FF2B5EF4-FFF2-40B4-BE49-F238E27FC236}">
-                <a16:creationId xmlns:a16="http://schemas.microsoft.com/office/drawing/2014/main" id="{CB8EE971-FFCE-40DD-BD29-9E8F2A810902}"/>
-              </a:ext>
-            </a:extLst>
-          </p:cNvPr>
-          <p:cNvSpPr/>
-          <p:nvPr/>
-        </p:nvSpPr>
-        <p:spPr>
-          <a:xfrm>
-            <a:off x="4609189" y="1946340"/>
-            <a:ext cx="2638425" cy="4340159"/>
-          </a:xfrm>
-          <a:prstGeom prst="roundRect">
-            <a:avLst/>
-          </a:prstGeom>
-          <a:noFill/>
-          <a:ln w="57150">
-            <a:solidFill>
-              <a:schemeClr val="tx1"/>
-            </a:solidFill>
-          </a:ln>
-        </p:spPr>
-        <p:style>
-          <a:lnRef idx="2">
-            <a:schemeClr val="accent1">
-              <a:shade val="50000"/>
-            </a:schemeClr>
-          </a:lnRef>
-          <a:fillRef idx="1">
-            <a:schemeClr val="accent1"/>
-          </a:fillRef>
-          <a:effectRef idx="0">
-            <a:schemeClr val="accent1"/>
-          </a:effectRef>
-          <a:fontRef idx="minor">
-            <a:schemeClr val="lt1"/>
-          </a:fontRef>
-        </p:style>
-        <p:txBody>
-          <a:bodyPr rtlCol="0" anchor="ctr"/>
-          <a:lstStyle/>
-          <a:p>
-            <a:pPr algn="ctr"/>
-            <a:endParaRPr lang="ko-KR" altLang="en-US" dirty="0"/>
-          </a:p>
-        </p:txBody>
-      </p:sp>
-      <p:sp>
-        <p:nvSpPr>
-          <p:cNvPr id="28" name="직사각형 27">
-            <a:extLst>
-              <a:ext uri="{FF2B5EF4-FFF2-40B4-BE49-F238E27FC236}">
-                <a16:creationId xmlns:a16="http://schemas.microsoft.com/office/drawing/2014/main" id="{95D9C286-756F-405D-85C2-3E9DD28C5B38}"/>
-              </a:ext>
-            </a:extLst>
-          </p:cNvPr>
-          <p:cNvSpPr/>
-          <p:nvPr/>
-        </p:nvSpPr>
-        <p:spPr>
-          <a:xfrm>
-            <a:off x="4959387" y="1676954"/>
-            <a:ext cx="1899720" cy="523220"/>
-          </a:xfrm>
-          <a:prstGeom prst="rect">
-            <a:avLst/>
-          </a:prstGeom>
-          <a:solidFill>
-            <a:schemeClr val="tx2">
-              <a:lumMod val="60000"/>
-              <a:lumOff val="40000"/>
-            </a:schemeClr>
-          </a:solidFill>
-          <a:ln w="28575">
-            <a:solidFill>
-              <a:schemeClr val="tx1"/>
-            </a:solidFill>
-          </a:ln>
-        </p:spPr>
-        <p:style>
-          <a:lnRef idx="2">
-            <a:schemeClr val="accent1">
-              <a:shade val="50000"/>
-            </a:schemeClr>
-          </a:lnRef>
-          <a:fillRef idx="1">
-            <a:schemeClr val="accent1"/>
-          </a:fillRef>
-          <a:effectRef idx="0">
-            <a:schemeClr val="accent1"/>
-          </a:effectRef>
-          <a:fontRef idx="minor">
-            <a:schemeClr val="lt1"/>
-          </a:fontRef>
-        </p:style>
-        <p:txBody>
-          <a:bodyPr rtlCol="0" anchor="ctr"/>
-          <a:lstStyle/>
-          <a:p>
-            <a:pPr algn="ctr"/>
-            <a:endParaRPr lang="ko-KR" altLang="en-US"/>
-          </a:p>
-        </p:txBody>
-      </p:sp>
-      <p:sp>
-        <p:nvSpPr>
-          <p:cNvPr id="30" name="TextBox 29">
-            <a:extLst>
-              <a:ext uri="{FF2B5EF4-FFF2-40B4-BE49-F238E27FC236}">
-                <a16:creationId xmlns:a16="http://schemas.microsoft.com/office/drawing/2014/main" id="{8F07FC53-D85F-4765-B85B-73A0F2DE4539}"/>
-              </a:ext>
-            </a:extLst>
-          </p:cNvPr>
-          <p:cNvSpPr txBox="1"/>
-          <p:nvPr/>
-        </p:nvSpPr>
-        <p:spPr>
-          <a:xfrm>
-            <a:off x="5237926" y="1723205"/>
-            <a:ext cx="1380955" cy="400110"/>
-          </a:xfrm>
-          <a:prstGeom prst="rect">
-            <a:avLst/>
-          </a:prstGeom>
-          <a:noFill/>
-          <a:ln>
-            <a:noFill/>
-          </a:ln>
-        </p:spPr>
-        <p:txBody>
-          <a:bodyPr wrap="none" rtlCol="0" anchor="ctr">
-            <a:spAutoFit/>
-          </a:bodyPr>
-          <a:lstStyle/>
-          <a:p>
-            <a:pPr algn="ctr"/>
-            <a:r>
-              <a:rPr lang="en-US" altLang="ko-KR" sz="2000" b="1" dirty="0">
-                <a:solidFill>
-                  <a:schemeClr val="bg1"/>
-                </a:solidFill>
-              </a:rPr>
-              <a:t>Chapter 2</a:t>
-            </a:r>
-          </a:p>
-        </p:txBody>
-      </p:sp>
-      <p:sp>
-        <p:nvSpPr>
-          <p:cNvPr id="31" name="TextBox 30">
-            <a:extLst>
-              <a:ext uri="{FF2B5EF4-FFF2-40B4-BE49-F238E27FC236}">
-                <a16:creationId xmlns:a16="http://schemas.microsoft.com/office/drawing/2014/main" id="{7B15EA79-61F5-4567-BAE5-EABB8B449EE5}"/>
-              </a:ext>
-            </a:extLst>
-          </p:cNvPr>
-          <p:cNvSpPr txBox="1"/>
-          <p:nvPr/>
-        </p:nvSpPr>
-        <p:spPr>
-          <a:xfrm>
-            <a:off x="4918665" y="2263824"/>
-            <a:ext cx="2045753" cy="646331"/>
-          </a:xfrm>
-          <a:prstGeom prst="rect">
-            <a:avLst/>
-          </a:prstGeom>
-          <a:noFill/>
-        </p:spPr>
-        <p:txBody>
-          <a:bodyPr wrap="none" rtlCol="0">
-            <a:spAutoFit/>
-          </a:bodyPr>
-          <a:lstStyle/>
-          <a:p>
-            <a:pPr algn="ctr"/>
-            <a:r>
-              <a:rPr lang="ko-KR" altLang="en-US" b="1" dirty="0"/>
-              <a:t>전체 게임 구성 및</a:t>
-            </a:r>
-            <a:endParaRPr lang="en-US" altLang="ko-KR" b="1" dirty="0"/>
-          </a:p>
-          <a:p>
-            <a:pPr algn="ctr"/>
-            <a:r>
-              <a:rPr lang="ko-KR" altLang="en-US" b="1" dirty="0"/>
-              <a:t>컨텐츠 구성 요소</a:t>
-            </a:r>
-          </a:p>
-        </p:txBody>
-      </p:sp>
-      <p:sp>
-        <p:nvSpPr>
-          <p:cNvPr id="34" name="사각형: 둥근 모서리 33">
-            <a:extLst>
-              <a:ext uri="{FF2B5EF4-FFF2-40B4-BE49-F238E27FC236}">
-                <a16:creationId xmlns:a16="http://schemas.microsoft.com/office/drawing/2014/main" id="{C00C86F8-3407-4AE8-B9B2-8563FE936296}"/>
-              </a:ext>
-            </a:extLst>
-          </p:cNvPr>
-          <p:cNvSpPr/>
-          <p:nvPr/>
-        </p:nvSpPr>
-        <p:spPr>
-          <a:xfrm>
-            <a:off x="7597812" y="1946340"/>
-            <a:ext cx="2638425" cy="4340159"/>
-          </a:xfrm>
-          <a:prstGeom prst="roundRect">
-            <a:avLst/>
-          </a:prstGeom>
-          <a:noFill/>
-          <a:ln w="57150">
-            <a:solidFill>
-              <a:schemeClr val="tx1"/>
-            </a:solidFill>
-          </a:ln>
-        </p:spPr>
-        <p:style>
-          <a:lnRef idx="2">
-            <a:schemeClr val="accent1">
-              <a:shade val="50000"/>
-            </a:schemeClr>
-          </a:lnRef>
-          <a:fillRef idx="1">
-            <a:schemeClr val="accent1"/>
-          </a:fillRef>
-          <a:effectRef idx="0">
-            <a:schemeClr val="accent1"/>
-          </a:effectRef>
-          <a:fontRef idx="minor">
-            <a:schemeClr val="lt1"/>
-          </a:fontRef>
-        </p:style>
-        <p:txBody>
-          <a:bodyPr rtlCol="0" anchor="ctr"/>
-          <a:lstStyle/>
-          <a:p>
-            <a:pPr algn="ctr"/>
-            <a:endParaRPr lang="ko-KR" altLang="en-US" dirty="0"/>
-          </a:p>
-        </p:txBody>
-      </p:sp>
-      <p:sp>
-        <p:nvSpPr>
-          <p:cNvPr id="35" name="직사각형 34">
-            <a:extLst>
-              <a:ext uri="{FF2B5EF4-FFF2-40B4-BE49-F238E27FC236}">
-                <a16:creationId xmlns:a16="http://schemas.microsoft.com/office/drawing/2014/main" id="{2438C388-1B74-4EA4-87DF-34912214CE0E}"/>
-              </a:ext>
-            </a:extLst>
-          </p:cNvPr>
-          <p:cNvSpPr/>
-          <p:nvPr/>
-        </p:nvSpPr>
-        <p:spPr>
-          <a:xfrm>
-            <a:off x="7948010" y="1676954"/>
-            <a:ext cx="1899720" cy="523220"/>
-          </a:xfrm>
-          <a:prstGeom prst="rect">
-            <a:avLst/>
-          </a:prstGeom>
-          <a:solidFill>
-            <a:schemeClr val="tx2">
-              <a:lumMod val="60000"/>
-              <a:lumOff val="40000"/>
-            </a:schemeClr>
-          </a:solidFill>
-          <a:ln w="28575">
-            <a:solidFill>
-              <a:schemeClr val="tx1"/>
-            </a:solidFill>
-          </a:ln>
-        </p:spPr>
-        <p:style>
-          <a:lnRef idx="2">
-            <a:schemeClr val="accent1">
-              <a:shade val="50000"/>
-            </a:schemeClr>
-          </a:lnRef>
-          <a:fillRef idx="1">
-            <a:schemeClr val="accent1"/>
-          </a:fillRef>
-          <a:effectRef idx="0">
-            <a:schemeClr val="accent1"/>
-          </a:effectRef>
-          <a:fontRef idx="minor">
-            <a:schemeClr val="lt1"/>
-          </a:fontRef>
-        </p:style>
-        <p:txBody>
-          <a:bodyPr rtlCol="0" anchor="ctr"/>
-          <a:lstStyle/>
-          <a:p>
-            <a:pPr algn="ctr"/>
-            <a:endParaRPr lang="ko-KR" altLang="en-US"/>
-          </a:p>
-        </p:txBody>
-      </p:sp>
-      <p:sp>
-        <p:nvSpPr>
-          <p:cNvPr id="36" name="TextBox 35">
-            <a:extLst>
-              <a:ext uri="{FF2B5EF4-FFF2-40B4-BE49-F238E27FC236}">
-                <a16:creationId xmlns:a16="http://schemas.microsoft.com/office/drawing/2014/main" id="{25E78A98-31BD-4658-B427-7C5E8B159600}"/>
-              </a:ext>
-            </a:extLst>
-          </p:cNvPr>
-          <p:cNvSpPr txBox="1"/>
-          <p:nvPr/>
-        </p:nvSpPr>
-        <p:spPr>
-          <a:xfrm>
-            <a:off x="7986323" y="1677037"/>
-            <a:ext cx="1861407" cy="523220"/>
-          </a:xfrm>
-          <a:prstGeom prst="rect">
-            <a:avLst/>
-          </a:prstGeom>
-          <a:noFill/>
-          <a:ln>
-            <a:noFill/>
-          </a:ln>
-        </p:spPr>
-        <p:txBody>
-          <a:bodyPr wrap="none" rtlCol="0">
-            <a:spAutoFit/>
-          </a:bodyPr>
-          <a:lstStyle/>
-          <a:p>
-            <a:pPr algn="ctr"/>
-            <a:r>
-              <a:rPr lang="en-US" altLang="ko-KR" sz="2800" b="1" dirty="0">
-                <a:solidFill>
-                  <a:schemeClr val="bg1"/>
-                </a:solidFill>
-              </a:rPr>
-              <a:t>Chapter 3</a:t>
-            </a:r>
-          </a:p>
-        </p:txBody>
-      </p:sp>
-    </p:spTree>
-    <p:extLst>
-      <p:ext uri="{BB962C8B-B14F-4D97-AF65-F5344CB8AC3E}">
-        <p14:creationId xmlns:p14="http://schemas.microsoft.com/office/powerpoint/2010/main" val="2973027972"/>
-      </p:ext>
-    </p:extLst>
-  </p:cSld>
-  <p:clrMapOvr>
-    <a:masterClrMapping/>
-  </p:clrMapOvr>
-</p:sld>
-</file>
-
-<file path=ppt/slides/slide3.xml><?xml version="1.0" encoding="utf-8"?>
-<p:sld xmlns:a="http://schemas.openxmlformats.org/drawingml/2006/main" xmlns:r="http://schemas.openxmlformats.org/officeDocument/2006/relationships" xmlns:p="http://schemas.openxmlformats.org/presentationml/2006/main">
-  <p:cSld>
-    <p:spTree>
-      <p:nvGrpSpPr>
-        <p:cNvPr id="1" name=""/>
-        <p:cNvGrpSpPr/>
-        <p:nvPr/>
-      </p:nvGrpSpPr>
-      <p:grpSpPr>
-        <a:xfrm>
-          <a:off x="0" y="0"/>
-          <a:ext cx="0" cy="0"/>
-          <a:chOff x="0" y="0"/>
-          <a:chExt cx="0" cy="0"/>
-        </a:xfrm>
-      </p:grpSpPr>
-      <p:sp>
-        <p:nvSpPr>
           <p:cNvPr id="3" name="내용 개체 틀 2">
             <a:extLst>
               <a:ext uri="{FF2B5EF4-FFF2-40B4-BE49-F238E27FC236}">
@@ -4938,7 +3966,7 @@
 </p:sld>
 </file>
 
-<file path=ppt/slides/slide4.xml><?xml version="1.0" encoding="utf-8"?>
+<file path=ppt/slides/slide3.xml><?xml version="1.0" encoding="utf-8"?>
 <p:sld xmlns:a="http://schemas.openxmlformats.org/drawingml/2006/main" xmlns:r="http://schemas.openxmlformats.org/officeDocument/2006/relationships" xmlns:p="http://schemas.openxmlformats.org/presentationml/2006/main">
   <p:cSld>
     <p:spTree>
